--- a/documents/Lesson 3 - Loop,Condition.pptx
+++ b/documents/Lesson 3 - Loop,Condition.pptx
@@ -5,7 +5,7 @@
     <p:sldMasterId id="2147483659" r:id="rId1"/>
   </p:sldMasterIdLst>
   <p:notesMasterIdLst>
-    <p:notesMasterId r:id="rId18"/>
+    <p:notesMasterId r:id="rId20"/>
   </p:notesMasterIdLst>
   <p:sldIdLst>
     <p:sldId id="256" r:id="rId2"/>
@@ -23,7 +23,9 @@
     <p:sldId id="268" r:id="rId14"/>
     <p:sldId id="269" r:id="rId15"/>
     <p:sldId id="270" r:id="rId16"/>
-    <p:sldId id="271" r:id="rId17"/>
+    <p:sldId id="272" r:id="rId17"/>
+    <p:sldId id="273" r:id="rId18"/>
+    <p:sldId id="271" r:id="rId19"/>
   </p:sldIdLst>
   <p:sldSz cx="9144000" cy="5143500" type="screen16x9"/>
   <p:notesSz cx="6858000" cy="9144000"/>
@@ -1617,6 +1619,224 @@
 </file>
 
 <file path=ppt/notesSlides/notesSlide16.xml><?xml version="1.0" encoding="utf-8"?>
+<p:notes xmlns:a="http://schemas.openxmlformats.org/drawingml/2006/main" xmlns:r="http://schemas.openxmlformats.org/officeDocument/2006/relationships" xmlns:p="http://schemas.openxmlformats.org/presentationml/2006/main" showMasterSp="0" showMasterPhAnim="0">
+  <p:cSld>
+    <p:spTree>
+      <p:nvGrpSpPr>
+        <p:cNvPr id="1" name="Shape 222"/>
+        <p:cNvGrpSpPr/>
+        <p:nvPr/>
+      </p:nvGrpSpPr>
+      <p:grpSpPr>
+        <a:xfrm>
+          <a:off x="0" y="0"/>
+          <a:ext cx="0" cy="0"/>
+          <a:chOff x="0" y="0"/>
+          <a:chExt cx="0" cy="0"/>
+        </a:xfrm>
+      </p:grpSpPr>
+      <p:sp>
+        <p:nvSpPr>
+          <p:cNvPr id="223" name="Google Shape;223;g702034b4f1_0_291:notes"/>
+          <p:cNvSpPr>
+            <a:spLocks noGrp="1" noRot="1" noChangeAspect="1"/>
+          </p:cNvSpPr>
+          <p:nvPr>
+            <p:ph type="sldImg" idx="2"/>
+          </p:nvPr>
+        </p:nvSpPr>
+        <p:spPr>
+          <a:xfrm>
+            <a:off x="381000" y="685800"/>
+            <a:ext cx="6096000" cy="3429000"/>
+          </a:xfrm>
+          <a:custGeom>
+            <a:avLst/>
+            <a:gdLst/>
+            <a:ahLst/>
+            <a:cxnLst/>
+            <a:rect l="l" t="t" r="r" b="b"/>
+            <a:pathLst>
+              <a:path w="120000" h="120000" extrusionOk="0">
+                <a:moveTo>
+                  <a:pt x="0" y="0"/>
+                </a:moveTo>
+                <a:lnTo>
+                  <a:pt x="120000" y="0"/>
+                </a:lnTo>
+                <a:lnTo>
+                  <a:pt x="120000" y="120000"/>
+                </a:lnTo>
+                <a:lnTo>
+                  <a:pt x="0" y="120000"/>
+                </a:lnTo>
+                <a:close/>
+              </a:path>
+            </a:pathLst>
+          </a:custGeom>
+        </p:spPr>
+      </p:sp>
+      <p:sp>
+        <p:nvSpPr>
+          <p:cNvPr id="224" name="Google Shape;224;g702034b4f1_0_291:notes"/>
+          <p:cNvSpPr txBox="1">
+            <a:spLocks noGrp="1"/>
+          </p:cNvSpPr>
+          <p:nvPr>
+            <p:ph type="body" idx="1"/>
+          </p:nvPr>
+        </p:nvSpPr>
+        <p:spPr>
+          <a:xfrm>
+            <a:off x="685800" y="4343400"/>
+            <a:ext cx="5486400" cy="4114800"/>
+          </a:xfrm>
+          <a:prstGeom prst="rect">
+            <a:avLst/>
+          </a:prstGeom>
+        </p:spPr>
+        <p:txBody>
+          <a:bodyPr spcFirstLastPara="1" wrap="square" lIns="91425" tIns="91425" rIns="91425" bIns="91425" anchor="t" anchorCtr="0">
+            <a:noAutofit/>
+          </a:bodyPr>
+          <a:lstStyle/>
+          <a:p>
+            <a:pPr marL="0" lvl="0" indent="0" algn="l" rtl="0">
+              <a:spcBef>
+                <a:spcPts val="0"/>
+              </a:spcBef>
+              <a:spcAft>
+                <a:spcPts val="0"/>
+              </a:spcAft>
+              <a:buNone/>
+            </a:pPr>
+            <a:endParaRPr/>
+          </a:p>
+        </p:txBody>
+      </p:sp>
+    </p:spTree>
+    <p:extLst>
+      <p:ext uri="{BB962C8B-B14F-4D97-AF65-F5344CB8AC3E}">
+        <p14:creationId xmlns:p14="http://schemas.microsoft.com/office/powerpoint/2010/main" val="3529901341"/>
+      </p:ext>
+    </p:extLst>
+  </p:cSld>
+  <p:clrMapOvr>
+    <a:masterClrMapping/>
+  </p:clrMapOvr>
+</p:notes>
+</file>
+
+<file path=ppt/notesSlides/notesSlide17.xml><?xml version="1.0" encoding="utf-8"?>
+<p:notes xmlns:a="http://schemas.openxmlformats.org/drawingml/2006/main" xmlns:r="http://schemas.openxmlformats.org/officeDocument/2006/relationships" xmlns:p="http://schemas.openxmlformats.org/presentationml/2006/main" showMasterSp="0" showMasterPhAnim="0">
+  <p:cSld>
+    <p:spTree>
+      <p:nvGrpSpPr>
+        <p:cNvPr id="1" name="Shape 222"/>
+        <p:cNvGrpSpPr/>
+        <p:nvPr/>
+      </p:nvGrpSpPr>
+      <p:grpSpPr>
+        <a:xfrm>
+          <a:off x="0" y="0"/>
+          <a:ext cx="0" cy="0"/>
+          <a:chOff x="0" y="0"/>
+          <a:chExt cx="0" cy="0"/>
+        </a:xfrm>
+      </p:grpSpPr>
+      <p:sp>
+        <p:nvSpPr>
+          <p:cNvPr id="223" name="Google Shape;223;g702034b4f1_0_291:notes"/>
+          <p:cNvSpPr>
+            <a:spLocks noGrp="1" noRot="1" noChangeAspect="1"/>
+          </p:cNvSpPr>
+          <p:nvPr>
+            <p:ph type="sldImg" idx="2"/>
+          </p:nvPr>
+        </p:nvSpPr>
+        <p:spPr>
+          <a:xfrm>
+            <a:off x="381000" y="685800"/>
+            <a:ext cx="6096000" cy="3429000"/>
+          </a:xfrm>
+          <a:custGeom>
+            <a:avLst/>
+            <a:gdLst/>
+            <a:ahLst/>
+            <a:cxnLst/>
+            <a:rect l="l" t="t" r="r" b="b"/>
+            <a:pathLst>
+              <a:path w="120000" h="120000" extrusionOk="0">
+                <a:moveTo>
+                  <a:pt x="0" y="0"/>
+                </a:moveTo>
+                <a:lnTo>
+                  <a:pt x="120000" y="0"/>
+                </a:lnTo>
+                <a:lnTo>
+                  <a:pt x="120000" y="120000"/>
+                </a:lnTo>
+                <a:lnTo>
+                  <a:pt x="0" y="120000"/>
+                </a:lnTo>
+                <a:close/>
+              </a:path>
+            </a:pathLst>
+          </a:custGeom>
+        </p:spPr>
+      </p:sp>
+      <p:sp>
+        <p:nvSpPr>
+          <p:cNvPr id="224" name="Google Shape;224;g702034b4f1_0_291:notes"/>
+          <p:cNvSpPr txBox="1">
+            <a:spLocks noGrp="1"/>
+          </p:cNvSpPr>
+          <p:nvPr>
+            <p:ph type="body" idx="1"/>
+          </p:nvPr>
+        </p:nvSpPr>
+        <p:spPr>
+          <a:xfrm>
+            <a:off x="685800" y="4343400"/>
+            <a:ext cx="5486400" cy="4114800"/>
+          </a:xfrm>
+          <a:prstGeom prst="rect">
+            <a:avLst/>
+          </a:prstGeom>
+        </p:spPr>
+        <p:txBody>
+          <a:bodyPr spcFirstLastPara="1" wrap="square" lIns="91425" tIns="91425" rIns="91425" bIns="91425" anchor="t" anchorCtr="0">
+            <a:noAutofit/>
+          </a:bodyPr>
+          <a:lstStyle/>
+          <a:p>
+            <a:pPr marL="0" lvl="0" indent="0" algn="l" rtl="0">
+              <a:spcBef>
+                <a:spcPts val="0"/>
+              </a:spcBef>
+              <a:spcAft>
+                <a:spcPts val="0"/>
+              </a:spcAft>
+              <a:buNone/>
+            </a:pPr>
+            <a:endParaRPr/>
+          </a:p>
+        </p:txBody>
+      </p:sp>
+    </p:spTree>
+    <p:extLst>
+      <p:ext uri="{BB962C8B-B14F-4D97-AF65-F5344CB8AC3E}">
+        <p14:creationId xmlns:p14="http://schemas.microsoft.com/office/powerpoint/2010/main" val="2520188161"/>
+      </p:ext>
+    </p:extLst>
+  </p:cSld>
+  <p:clrMapOvr>
+    <a:masterClrMapping/>
+  </p:clrMapOvr>
+</p:notes>
+</file>
+
+<file path=ppt/notesSlides/notesSlide18.xml><?xml version="1.0" encoding="utf-8"?>
 <p:notes xmlns:a="http://schemas.openxmlformats.org/drawingml/2006/main" xmlns:r="http://schemas.openxmlformats.org/officeDocument/2006/relationships" xmlns:p="http://schemas.openxmlformats.org/presentationml/2006/main" showMasterSp="0" showMasterPhAnim="0">
   <p:cSld>
     <p:spTree>
@@ -8181,34 +8401,6 @@
           </a:p>
         </p:txBody>
       </p:sp>
-      <p:pic>
-        <p:nvPicPr>
-          <p:cNvPr id="170" name="Google Shape;170;p23"/>
-          <p:cNvPicPr preferRelativeResize="0"/>
-          <p:nvPr/>
-        </p:nvPicPr>
-        <p:blipFill>
-          <a:blip r:embed="rId3">
-            <a:alphaModFix/>
-          </a:blip>
-          <a:stretch>
-            <a:fillRect/>
-          </a:stretch>
-        </p:blipFill>
-        <p:spPr>
-          <a:xfrm>
-            <a:off x="7892750" y="74963"/>
-            <a:ext cx="1057925" cy="448825"/>
-          </a:xfrm>
-          <a:prstGeom prst="rect">
-            <a:avLst/>
-          </a:prstGeom>
-          <a:noFill/>
-          <a:ln>
-            <a:noFill/>
-          </a:ln>
-        </p:spPr>
-      </p:pic>
       <p:sp>
         <p:nvSpPr>
           <p:cNvPr id="171" name="Google Shape;171;p23"/>
@@ -8708,7 +8900,7 @@
           <p:nvPr/>
         </p:nvPicPr>
         <p:blipFill>
-          <a:blip r:embed="rId4">
+          <a:blip r:embed="rId3">
             <a:alphaModFix/>
           </a:blip>
           <a:stretch>
@@ -10482,14 +10674,14 @@
               <a:buNone/>
             </a:pPr>
             <a:r>
-              <a:rPr lang="en">
+              <a:rPr lang="en" dirty="0">
                 <a:solidFill>
                   <a:srgbClr val="FFFFFF"/>
                 </a:solidFill>
               </a:rPr>
               <a:t>	Từ khóa continue</a:t>
             </a:r>
-            <a:endParaRPr>
+            <a:endParaRPr dirty="0">
               <a:solidFill>
                 <a:srgbClr val="FFFFFF"/>
               </a:solidFill>
@@ -11807,6 +11999,1887 @@
   <p:cSld>
     <p:spTree>
       <p:nvGrpSpPr>
+        <p:cNvPr id="1" name="Shape 225"/>
+        <p:cNvGrpSpPr/>
+        <p:nvPr/>
+      </p:nvGrpSpPr>
+      <p:grpSpPr>
+        <a:xfrm>
+          <a:off x="0" y="0"/>
+          <a:ext cx="0" cy="0"/>
+          <a:chOff x="0" y="0"/>
+          <a:chExt cx="0" cy="0"/>
+        </a:xfrm>
+      </p:grpSpPr>
+      <p:sp>
+        <p:nvSpPr>
+          <p:cNvPr id="226" name="Google Shape;226;p27"/>
+          <p:cNvSpPr/>
+          <p:nvPr/>
+        </p:nvSpPr>
+        <p:spPr>
+          <a:xfrm>
+            <a:off x="0" y="153125"/>
+            <a:ext cx="7155000" cy="292200"/>
+          </a:xfrm>
+          <a:prstGeom prst="rect">
+            <a:avLst/>
+          </a:prstGeom>
+          <a:solidFill>
+            <a:srgbClr val="01A2A6"/>
+          </a:solidFill>
+          <a:ln>
+            <a:noFill/>
+          </a:ln>
+        </p:spPr>
+        <p:txBody>
+          <a:bodyPr spcFirstLastPara="1" wrap="square" lIns="91425" tIns="91425" rIns="91425" bIns="91425" anchor="ctr" anchorCtr="0">
+            <a:noAutofit/>
+          </a:bodyPr>
+          <a:lstStyle/>
+          <a:p>
+            <a:r>
+              <a:rPr lang="en" dirty="0">
+                <a:solidFill>
+                  <a:srgbClr val="FFFFFF"/>
+                </a:solidFill>
+              </a:rPr>
+              <a:t>	</a:t>
+            </a:r>
+            <a:r>
+              <a:rPr lang="en-US" dirty="0" err="1">
+                <a:solidFill>
+                  <a:srgbClr val="FFFFFF"/>
+                </a:solidFill>
+              </a:rPr>
+              <a:t>Các</a:t>
+            </a:r>
+            <a:r>
+              <a:rPr lang="en-US" dirty="0">
+                <a:solidFill>
+                  <a:srgbClr val="FFFFFF"/>
+                </a:solidFill>
+              </a:rPr>
+              <a:t> </a:t>
+            </a:r>
+            <a:r>
+              <a:rPr lang="en-US" dirty="0" err="1">
+                <a:solidFill>
+                  <a:srgbClr val="FFFFFF"/>
+                </a:solidFill>
+              </a:rPr>
+              <a:t>hàm</a:t>
+            </a:r>
+            <a:r>
+              <a:rPr lang="en-US" dirty="0">
+                <a:solidFill>
+                  <a:srgbClr val="FFFFFF"/>
+                </a:solidFill>
+              </a:rPr>
+              <a:t> </a:t>
+            </a:r>
+            <a:r>
+              <a:rPr lang="en-US" dirty="0" err="1">
+                <a:solidFill>
+                  <a:srgbClr val="FFFFFF"/>
+                </a:solidFill>
+              </a:rPr>
+              <a:t>toán</a:t>
+            </a:r>
+            <a:r>
+              <a:rPr lang="en-US" dirty="0">
+                <a:solidFill>
+                  <a:srgbClr val="FFFFFF"/>
+                </a:solidFill>
+              </a:rPr>
+              <a:t> </a:t>
+            </a:r>
+            <a:r>
+              <a:rPr lang="en-US" dirty="0" err="1">
+                <a:solidFill>
+                  <a:srgbClr val="FFFFFF"/>
+                </a:solidFill>
+              </a:rPr>
+              <a:t>học</a:t>
+            </a:r>
+            <a:r>
+              <a:rPr lang="en-US" dirty="0">
+                <a:solidFill>
+                  <a:srgbClr val="FFFFFF"/>
+                </a:solidFill>
+              </a:rPr>
+              <a:t> – Math </a:t>
+            </a:r>
+            <a:r>
+              <a:rPr lang="en-US" dirty="0" err="1">
+                <a:solidFill>
+                  <a:srgbClr val="FFFFFF"/>
+                </a:solidFill>
+              </a:rPr>
+              <a:t>trong</a:t>
+            </a:r>
+            <a:r>
+              <a:rPr lang="en-US" dirty="0">
+                <a:solidFill>
+                  <a:srgbClr val="FFFFFF"/>
+                </a:solidFill>
+              </a:rPr>
+              <a:t> Java</a:t>
+            </a:r>
+          </a:p>
+        </p:txBody>
+      </p:sp>
+      <p:sp>
+        <p:nvSpPr>
+          <p:cNvPr id="228" name="Google Shape;228;p27"/>
+          <p:cNvSpPr/>
+          <p:nvPr/>
+        </p:nvSpPr>
+        <p:spPr>
+          <a:xfrm>
+            <a:off x="7043975" y="153284"/>
+            <a:ext cx="410700" cy="292200"/>
+          </a:xfrm>
+          <a:prstGeom prst="parallelogram">
+            <a:avLst>
+              <a:gd name="adj" fmla="val 25000"/>
+            </a:avLst>
+          </a:prstGeom>
+          <a:solidFill>
+            <a:srgbClr val="01A2A6"/>
+          </a:solidFill>
+          <a:ln>
+            <a:noFill/>
+          </a:ln>
+        </p:spPr>
+        <p:txBody>
+          <a:bodyPr spcFirstLastPara="1" wrap="square" lIns="91425" tIns="91425" rIns="91425" bIns="91425" anchor="ctr" anchorCtr="0">
+            <a:noAutofit/>
+          </a:bodyPr>
+          <a:lstStyle/>
+          <a:p>
+            <a:pPr marL="0" lvl="0" indent="0" algn="l" rtl="0">
+              <a:spcBef>
+                <a:spcPts val="0"/>
+              </a:spcBef>
+              <a:spcAft>
+                <a:spcPts val="0"/>
+              </a:spcAft>
+              <a:buNone/>
+            </a:pPr>
+            <a:endParaRPr/>
+          </a:p>
+        </p:txBody>
+      </p:sp>
+      <p:sp>
+        <p:nvSpPr>
+          <p:cNvPr id="229" name="Google Shape;229;p27"/>
+          <p:cNvSpPr txBox="1"/>
+          <p:nvPr/>
+        </p:nvSpPr>
+        <p:spPr>
+          <a:xfrm>
+            <a:off x="907219" y="626945"/>
+            <a:ext cx="7498550" cy="2938375"/>
+          </a:xfrm>
+          <a:prstGeom prst="rect">
+            <a:avLst/>
+          </a:prstGeom>
+          <a:noFill/>
+          <a:ln>
+            <a:noFill/>
+          </a:ln>
+        </p:spPr>
+        <p:txBody>
+          <a:bodyPr spcFirstLastPara="1" wrap="square" lIns="91425" tIns="91425" rIns="91425" bIns="91425" anchor="t" anchorCtr="0">
+            <a:noAutofit/>
+          </a:bodyPr>
+          <a:lstStyle/>
+          <a:p>
+            <a:r>
+              <a:rPr lang="vi-VN" dirty="0"/>
+              <a:t>Java có một lớp gọi là lớp Math cung cấp các hàm về toán học như abs , ceil , floor ,… Lớp này nằm trong gói java.lang (gói mặc định) do vậy ta không cần phải thêm câu lệnh import ở đầu chương trình để có thể sử dụng lớp này. Các hàm này được viết là các phương thức tĩnh do vậy ta không cần phải tạo ra thể hiện của lớp Math. Để gọi hàm chỉ đơn giản viết tên lớp Math và tên phương thức cần gọi.</a:t>
+            </a:r>
+          </a:p>
+          <a:p>
+            <a:r>
+              <a:rPr lang="vi-VN" dirty="0"/>
+              <a:t>Math là thư viện cung cấp các phương thức có sẵn để giải quyết các vấn đề về số học. Các phương thức này phần lớn trả về giá trị kiểu double .</a:t>
+            </a:r>
+          </a:p>
+          <a:p>
+            <a:r>
+              <a:rPr lang="vi-VN" dirty="0"/>
+              <a:t>Trước khi gọi các hàm Math , ta có thể import package để khỏi phải viết đầy đủ tên pack , ví dụ </a:t>
+            </a:r>
+            <a:r>
+              <a:rPr lang="vi-VN" dirty="0" smtClean="0"/>
+              <a:t>như</a:t>
+            </a:r>
+            <a:endParaRPr lang="en-US" dirty="0" smtClean="0"/>
+          </a:p>
+          <a:p>
+            <a:endParaRPr lang="vi-VN" dirty="0"/>
+          </a:p>
+          <a:p>
+            <a:r>
+              <a:rPr lang="vi-VN" b="1" dirty="0"/>
+              <a:t>import</a:t>
+            </a:r>
+            <a:r>
+              <a:rPr lang="vi-VN" i="1" dirty="0"/>
+              <a:t> java.lang.Math</a:t>
+            </a:r>
+            <a:r>
+              <a:rPr lang="vi-VN" dirty="0"/>
+              <a:t>;</a:t>
+            </a:r>
+          </a:p>
+        </p:txBody>
+      </p:sp>
+    </p:spTree>
+    <p:extLst>
+      <p:ext uri="{BB962C8B-B14F-4D97-AF65-F5344CB8AC3E}">
+        <p14:creationId xmlns:p14="http://schemas.microsoft.com/office/powerpoint/2010/main" val="3953101830"/>
+      </p:ext>
+    </p:extLst>
+  </p:cSld>
+  <p:clrMapOvr>
+    <a:masterClrMapping/>
+  </p:clrMapOvr>
+</p:sld>
+</file>
+
+<file path=ppt/slides/slide17.xml><?xml version="1.0" encoding="utf-8"?>
+<p:sld xmlns:a="http://schemas.openxmlformats.org/drawingml/2006/main" xmlns:r="http://schemas.openxmlformats.org/officeDocument/2006/relationships" xmlns:p="http://schemas.openxmlformats.org/presentationml/2006/main">
+  <p:cSld>
+    <p:spTree>
+      <p:nvGrpSpPr>
+        <p:cNvPr id="1" name="Shape 225"/>
+        <p:cNvGrpSpPr/>
+        <p:nvPr/>
+      </p:nvGrpSpPr>
+      <p:grpSpPr>
+        <a:xfrm>
+          <a:off x="0" y="0"/>
+          <a:ext cx="0" cy="0"/>
+          <a:chOff x="0" y="0"/>
+          <a:chExt cx="0" cy="0"/>
+        </a:xfrm>
+      </p:grpSpPr>
+      <p:sp>
+        <p:nvSpPr>
+          <p:cNvPr id="226" name="Google Shape;226;p27"/>
+          <p:cNvSpPr/>
+          <p:nvPr/>
+        </p:nvSpPr>
+        <p:spPr>
+          <a:xfrm>
+            <a:off x="0" y="153125"/>
+            <a:ext cx="7155000" cy="292200"/>
+          </a:xfrm>
+          <a:prstGeom prst="rect">
+            <a:avLst/>
+          </a:prstGeom>
+          <a:solidFill>
+            <a:srgbClr val="01A2A6"/>
+          </a:solidFill>
+          <a:ln>
+            <a:noFill/>
+          </a:ln>
+        </p:spPr>
+        <p:txBody>
+          <a:bodyPr spcFirstLastPara="1" wrap="square" lIns="91425" tIns="91425" rIns="91425" bIns="91425" anchor="ctr" anchorCtr="0">
+            <a:noAutofit/>
+          </a:bodyPr>
+          <a:lstStyle/>
+          <a:p>
+            <a:r>
+              <a:rPr lang="en" dirty="0">
+                <a:solidFill>
+                  <a:srgbClr val="FFFFFF"/>
+                </a:solidFill>
+              </a:rPr>
+              <a:t>	</a:t>
+            </a:r>
+            <a:r>
+              <a:rPr lang="en-US" dirty="0" err="1">
+                <a:solidFill>
+                  <a:srgbClr val="FFFFFF"/>
+                </a:solidFill>
+              </a:rPr>
+              <a:t>Các</a:t>
+            </a:r>
+            <a:r>
+              <a:rPr lang="en-US" dirty="0">
+                <a:solidFill>
+                  <a:srgbClr val="FFFFFF"/>
+                </a:solidFill>
+              </a:rPr>
+              <a:t> </a:t>
+            </a:r>
+            <a:r>
+              <a:rPr lang="en-US" dirty="0" err="1">
+                <a:solidFill>
+                  <a:srgbClr val="FFFFFF"/>
+                </a:solidFill>
+              </a:rPr>
+              <a:t>hàm</a:t>
+            </a:r>
+            <a:r>
+              <a:rPr lang="en-US" dirty="0">
+                <a:solidFill>
+                  <a:srgbClr val="FFFFFF"/>
+                </a:solidFill>
+              </a:rPr>
+              <a:t> </a:t>
+            </a:r>
+            <a:r>
+              <a:rPr lang="en-US" dirty="0" err="1">
+                <a:solidFill>
+                  <a:srgbClr val="FFFFFF"/>
+                </a:solidFill>
+              </a:rPr>
+              <a:t>toán</a:t>
+            </a:r>
+            <a:r>
+              <a:rPr lang="en-US" dirty="0">
+                <a:solidFill>
+                  <a:srgbClr val="FFFFFF"/>
+                </a:solidFill>
+              </a:rPr>
+              <a:t> </a:t>
+            </a:r>
+            <a:r>
+              <a:rPr lang="en-US" dirty="0" err="1">
+                <a:solidFill>
+                  <a:srgbClr val="FFFFFF"/>
+                </a:solidFill>
+              </a:rPr>
+              <a:t>học</a:t>
+            </a:r>
+            <a:r>
+              <a:rPr lang="en-US" dirty="0">
+                <a:solidFill>
+                  <a:srgbClr val="FFFFFF"/>
+                </a:solidFill>
+              </a:rPr>
+              <a:t> – Math </a:t>
+            </a:r>
+            <a:r>
+              <a:rPr lang="en-US" dirty="0" err="1">
+                <a:solidFill>
+                  <a:srgbClr val="FFFFFF"/>
+                </a:solidFill>
+              </a:rPr>
+              <a:t>trong</a:t>
+            </a:r>
+            <a:r>
+              <a:rPr lang="en-US" dirty="0">
+                <a:solidFill>
+                  <a:srgbClr val="FFFFFF"/>
+                </a:solidFill>
+              </a:rPr>
+              <a:t> Java</a:t>
+            </a:r>
+          </a:p>
+        </p:txBody>
+      </p:sp>
+      <p:sp>
+        <p:nvSpPr>
+          <p:cNvPr id="228" name="Google Shape;228;p27"/>
+          <p:cNvSpPr/>
+          <p:nvPr/>
+        </p:nvSpPr>
+        <p:spPr>
+          <a:xfrm>
+            <a:off x="7043975" y="153284"/>
+            <a:ext cx="410700" cy="292200"/>
+          </a:xfrm>
+          <a:prstGeom prst="parallelogram">
+            <a:avLst>
+              <a:gd name="adj" fmla="val 25000"/>
+            </a:avLst>
+          </a:prstGeom>
+          <a:solidFill>
+            <a:srgbClr val="01A2A6"/>
+          </a:solidFill>
+          <a:ln>
+            <a:noFill/>
+          </a:ln>
+        </p:spPr>
+        <p:txBody>
+          <a:bodyPr spcFirstLastPara="1" wrap="square" lIns="91425" tIns="91425" rIns="91425" bIns="91425" anchor="ctr" anchorCtr="0">
+            <a:noAutofit/>
+          </a:bodyPr>
+          <a:lstStyle/>
+          <a:p>
+            <a:pPr marL="0" lvl="0" indent="0" algn="l" rtl="0">
+              <a:spcBef>
+                <a:spcPts val="0"/>
+              </a:spcBef>
+              <a:spcAft>
+                <a:spcPts val="0"/>
+              </a:spcAft>
+              <a:buNone/>
+            </a:pPr>
+            <a:endParaRPr/>
+          </a:p>
+        </p:txBody>
+      </p:sp>
+      <p:sp>
+        <p:nvSpPr>
+          <p:cNvPr id="229" name="Google Shape;229;p27"/>
+          <p:cNvSpPr txBox="1"/>
+          <p:nvPr/>
+        </p:nvSpPr>
+        <p:spPr>
+          <a:xfrm>
+            <a:off x="377504" y="445325"/>
+            <a:ext cx="7868873" cy="849518"/>
+          </a:xfrm>
+          <a:prstGeom prst="rect">
+            <a:avLst/>
+          </a:prstGeom>
+          <a:noFill/>
+          <a:ln>
+            <a:noFill/>
+          </a:ln>
+        </p:spPr>
+        <p:txBody>
+          <a:bodyPr spcFirstLastPara="1" wrap="square" lIns="91425" tIns="91425" rIns="91425" bIns="91425" anchor="t" anchorCtr="0">
+            <a:noAutofit/>
+          </a:bodyPr>
+          <a:lstStyle/>
+          <a:p>
+            <a:r>
+              <a:rPr lang="vi-VN" dirty="0"/>
+              <a:t>Để sử dụng các phương thức trên, chúng ta sẽ thực hiện theo cú pháp </a:t>
+            </a:r>
+            <a:r>
+              <a:rPr lang="vi-VN" dirty="0" smtClean="0"/>
+              <a:t>sau:</a:t>
+            </a:r>
+            <a:r>
+              <a:rPr lang="vi-VN" dirty="0"/>
+              <a:t> </a:t>
+            </a:r>
+            <a:endParaRPr lang="en-US" dirty="0" smtClean="0"/>
+          </a:p>
+          <a:p>
+            <a:endParaRPr lang="en-US" dirty="0"/>
+          </a:p>
+          <a:p>
+            <a:r>
+              <a:rPr lang="vi-VN" dirty="0" smtClean="0"/>
+              <a:t>Math</a:t>
+            </a:r>
+            <a:r>
+              <a:rPr lang="vi-VN" dirty="0"/>
+              <a:t>.</a:t>
+            </a:r>
+            <a:r>
+              <a:rPr lang="vi-VN" b="1" dirty="0"/>
+              <a:t>[</a:t>
+            </a:r>
+            <a:r>
+              <a:rPr lang="vi-VN" dirty="0"/>
+              <a:t>Tên_phương_thức</a:t>
+            </a:r>
+            <a:r>
+              <a:rPr lang="vi-VN" b="1" dirty="0" smtClean="0"/>
+              <a:t>]</a:t>
+            </a:r>
+            <a:r>
+              <a:rPr lang="vi-VN" dirty="0" smtClean="0"/>
+              <a:t>;</a:t>
+            </a:r>
+            <a:endParaRPr lang="en-US" dirty="0" smtClean="0"/>
+          </a:p>
+          <a:p>
+            <a:endParaRPr lang="vi-VN" dirty="0"/>
+          </a:p>
+        </p:txBody>
+      </p:sp>
+      <p:graphicFrame>
+        <p:nvGraphicFramePr>
+          <p:cNvPr id="2" name="Table 1"/>
+          <p:cNvGraphicFramePr>
+            <a:graphicFrameLocks noGrp="1"/>
+          </p:cNvGraphicFramePr>
+          <p:nvPr>
+            <p:extLst>
+              <p:ext uri="{D42A27DB-BD31-4B8C-83A1-F6EECF244321}">
+                <p14:modId xmlns:p14="http://schemas.microsoft.com/office/powerpoint/2010/main" val="2524521005"/>
+              </p:ext>
+            </p:extLst>
+          </p:nvPr>
+        </p:nvGraphicFramePr>
+        <p:xfrm>
+          <a:off x="450089" y="1236007"/>
+          <a:ext cx="7270699" cy="3672840"/>
+        </p:xfrm>
+        <a:graphic>
+          <a:graphicData uri="http://schemas.openxmlformats.org/drawingml/2006/table">
+            <a:tbl>
+              <a:tblPr/>
+              <a:tblGrid>
+                <a:gridCol w="3635273"/>
+                <a:gridCol w="3635426"/>
+              </a:tblGrid>
+              <a:tr h="0">
+                <a:tc>
+                  <a:txBody>
+                    <a:bodyPr/>
+                    <a:lstStyle/>
+                    <a:p>
+                      <a:r>
+                        <a:rPr lang="vi-VN" dirty="0">
+                          <a:effectLst/>
+                        </a:rPr>
+                        <a:t>Tên phương thức</a:t>
+                      </a:r>
+                    </a:p>
+                  </a:txBody>
+                  <a:tcPr marL="47625" anchor="ctr">
+                    <a:lnL>
+                      <a:noFill/>
+                    </a:lnL>
+                    <a:lnR>
+                      <a:noFill/>
+                    </a:lnR>
+                    <a:lnT>
+                      <a:noFill/>
+                    </a:lnT>
+                    <a:lnB>
+                      <a:noFill/>
+                    </a:lnB>
+                    <a:solidFill>
+                      <a:srgbClr val="FFFFFF"/>
+                    </a:solidFill>
+                  </a:tcPr>
+                </a:tc>
+                <a:tc>
+                  <a:txBody>
+                    <a:bodyPr/>
+                    <a:lstStyle/>
+                    <a:p>
+                      <a:r>
+                        <a:rPr lang="en-US" dirty="0" err="1">
+                          <a:effectLst/>
+                        </a:rPr>
+                        <a:t>Mô</a:t>
+                      </a:r>
+                      <a:r>
+                        <a:rPr lang="en-US" dirty="0">
+                          <a:effectLst/>
+                        </a:rPr>
+                        <a:t> </a:t>
+                      </a:r>
+                      <a:r>
+                        <a:rPr lang="en-US" dirty="0" err="1">
+                          <a:effectLst/>
+                        </a:rPr>
+                        <a:t>tả</a:t>
+                      </a:r>
+                      <a:endParaRPr lang="en-US" dirty="0">
+                        <a:effectLst/>
+                      </a:endParaRPr>
+                    </a:p>
+                  </a:txBody>
+                  <a:tcPr marL="47625" anchor="ctr">
+                    <a:lnL>
+                      <a:noFill/>
+                    </a:lnL>
+                    <a:lnR>
+                      <a:noFill/>
+                    </a:lnR>
+                    <a:lnT>
+                      <a:noFill/>
+                    </a:lnT>
+                    <a:lnB>
+                      <a:noFill/>
+                    </a:lnB>
+                    <a:solidFill>
+                      <a:srgbClr val="FFFFFF"/>
+                    </a:solidFill>
+                  </a:tcPr>
+                </a:tc>
+              </a:tr>
+              <a:tr h="0">
+                <a:tc>
+                  <a:txBody>
+                    <a:bodyPr/>
+                    <a:lstStyle/>
+                    <a:p>
+                      <a:r>
+                        <a:rPr lang="en-US" sz="1100" dirty="0">
+                          <a:effectLst/>
+                        </a:rPr>
+                        <a:t>PI</a:t>
+                      </a:r>
+                    </a:p>
+                  </a:txBody>
+                  <a:tcPr marL="47625" anchor="ctr">
+                    <a:lnL>
+                      <a:noFill/>
+                    </a:lnL>
+                    <a:lnR>
+                      <a:noFill/>
+                    </a:lnR>
+                    <a:lnT>
+                      <a:noFill/>
+                    </a:lnT>
+                    <a:lnB>
+                      <a:noFill/>
+                    </a:lnB>
+                    <a:solidFill>
+                      <a:srgbClr val="F2F2F2"/>
+                    </a:solidFill>
+                  </a:tcPr>
+                </a:tc>
+                <a:tc>
+                  <a:txBody>
+                    <a:bodyPr/>
+                    <a:lstStyle/>
+                    <a:p>
+                      <a:r>
+                        <a:rPr lang="en-US" sz="1100">
+                          <a:effectLst/>
+                        </a:rPr>
+                        <a:t>Trả về giá trị PI.</a:t>
+                      </a:r>
+                    </a:p>
+                  </a:txBody>
+                  <a:tcPr marL="47625" anchor="ctr">
+                    <a:lnL>
+                      <a:noFill/>
+                    </a:lnL>
+                    <a:lnR>
+                      <a:noFill/>
+                    </a:lnR>
+                    <a:lnT>
+                      <a:noFill/>
+                    </a:lnT>
+                    <a:lnB>
+                      <a:noFill/>
+                    </a:lnB>
+                    <a:solidFill>
+                      <a:srgbClr val="F2F2F2"/>
+                    </a:solidFill>
+                  </a:tcPr>
+                </a:tc>
+              </a:tr>
+              <a:tr h="0">
+                <a:tc>
+                  <a:txBody>
+                    <a:bodyPr/>
+                    <a:lstStyle/>
+                    <a:p>
+                      <a:r>
+                        <a:rPr lang="en-US" sz="1100" dirty="0">
+                          <a:effectLst/>
+                        </a:rPr>
+                        <a:t>abs(a)</a:t>
+                      </a:r>
+                    </a:p>
+                  </a:txBody>
+                  <a:tcPr marL="47625" anchor="ctr">
+                    <a:lnL>
+                      <a:noFill/>
+                    </a:lnL>
+                    <a:lnR>
+                      <a:noFill/>
+                    </a:lnR>
+                    <a:lnT>
+                      <a:noFill/>
+                    </a:lnT>
+                    <a:lnB>
+                      <a:noFill/>
+                    </a:lnB>
+                    <a:solidFill>
+                      <a:srgbClr val="FFFFFF"/>
+                    </a:solidFill>
+                  </a:tcPr>
+                </a:tc>
+                <a:tc>
+                  <a:txBody>
+                    <a:bodyPr/>
+                    <a:lstStyle/>
+                    <a:p>
+                      <a:r>
+                        <a:rPr lang="en-US" sz="1100">
+                          <a:effectLst/>
+                        </a:rPr>
+                        <a:t>Trả về giá trị tuyệt đối của số a.</a:t>
+                      </a:r>
+                    </a:p>
+                  </a:txBody>
+                  <a:tcPr marL="47625" anchor="ctr">
+                    <a:lnL>
+                      <a:noFill/>
+                    </a:lnL>
+                    <a:lnR>
+                      <a:noFill/>
+                    </a:lnR>
+                    <a:lnT>
+                      <a:noFill/>
+                    </a:lnT>
+                    <a:lnB>
+                      <a:noFill/>
+                    </a:lnB>
+                    <a:solidFill>
+                      <a:srgbClr val="FFFFFF"/>
+                    </a:solidFill>
+                  </a:tcPr>
+                </a:tc>
+              </a:tr>
+              <a:tr h="0">
+                <a:tc>
+                  <a:txBody>
+                    <a:bodyPr/>
+                    <a:lstStyle/>
+                    <a:p>
+                      <a:r>
+                        <a:rPr lang="en-US" sz="1100" dirty="0">
+                          <a:effectLst/>
+                        </a:rPr>
+                        <a:t>max(</a:t>
+                      </a:r>
+                      <a:r>
+                        <a:rPr lang="en-US" sz="1100" dirty="0" err="1">
+                          <a:effectLst/>
+                        </a:rPr>
+                        <a:t>a,b</a:t>
+                      </a:r>
+                      <a:r>
+                        <a:rPr lang="en-US" sz="1100" dirty="0">
+                          <a:effectLst/>
+                        </a:rPr>
+                        <a:t>)</a:t>
+                      </a:r>
+                    </a:p>
+                  </a:txBody>
+                  <a:tcPr marL="47625" anchor="ctr">
+                    <a:lnL>
+                      <a:noFill/>
+                    </a:lnL>
+                    <a:lnR>
+                      <a:noFill/>
+                    </a:lnR>
+                    <a:lnT>
+                      <a:noFill/>
+                    </a:lnT>
+                    <a:lnB>
+                      <a:noFill/>
+                    </a:lnB>
+                    <a:solidFill>
+                      <a:srgbClr val="F2F2F2"/>
+                    </a:solidFill>
+                  </a:tcPr>
+                </a:tc>
+                <a:tc>
+                  <a:txBody>
+                    <a:bodyPr/>
+                    <a:lstStyle/>
+                    <a:p>
+                      <a:r>
+                        <a:rPr lang="en-US" sz="1100">
+                          <a:effectLst/>
+                        </a:rPr>
+                        <a:t>Trả về giá trị lớn nhất giữa 2 số a và b.</a:t>
+                      </a:r>
+                    </a:p>
+                  </a:txBody>
+                  <a:tcPr marL="47625" anchor="ctr">
+                    <a:lnL>
+                      <a:noFill/>
+                    </a:lnL>
+                    <a:lnR>
+                      <a:noFill/>
+                    </a:lnR>
+                    <a:lnT>
+                      <a:noFill/>
+                    </a:lnT>
+                    <a:lnB>
+                      <a:noFill/>
+                    </a:lnB>
+                    <a:solidFill>
+                      <a:srgbClr val="F2F2F2"/>
+                    </a:solidFill>
+                  </a:tcPr>
+                </a:tc>
+              </a:tr>
+              <a:tr h="0">
+                <a:tc>
+                  <a:txBody>
+                    <a:bodyPr/>
+                    <a:lstStyle/>
+                    <a:p>
+                      <a:r>
+                        <a:rPr lang="en-US" sz="1100" dirty="0">
+                          <a:effectLst/>
+                        </a:rPr>
+                        <a:t>min(</a:t>
+                      </a:r>
+                      <a:r>
+                        <a:rPr lang="en-US" sz="1100" dirty="0" err="1">
+                          <a:effectLst/>
+                        </a:rPr>
+                        <a:t>a,b</a:t>
+                      </a:r>
+                      <a:r>
+                        <a:rPr lang="en-US" sz="1100" dirty="0">
+                          <a:effectLst/>
+                        </a:rPr>
+                        <a:t>)</a:t>
+                      </a:r>
+                    </a:p>
+                  </a:txBody>
+                  <a:tcPr marL="47625" anchor="ctr">
+                    <a:lnL>
+                      <a:noFill/>
+                    </a:lnL>
+                    <a:lnR>
+                      <a:noFill/>
+                    </a:lnR>
+                    <a:lnT>
+                      <a:noFill/>
+                    </a:lnT>
+                    <a:lnB>
+                      <a:noFill/>
+                    </a:lnB>
+                    <a:solidFill>
+                      <a:srgbClr val="FFFFFF"/>
+                    </a:solidFill>
+                  </a:tcPr>
+                </a:tc>
+                <a:tc>
+                  <a:txBody>
+                    <a:bodyPr/>
+                    <a:lstStyle/>
+                    <a:p>
+                      <a:r>
+                        <a:rPr lang="en-US" sz="1100" dirty="0" err="1">
+                          <a:effectLst/>
+                        </a:rPr>
+                        <a:t>Trả</a:t>
+                      </a:r>
+                      <a:r>
+                        <a:rPr lang="en-US" sz="1100" dirty="0">
+                          <a:effectLst/>
+                        </a:rPr>
+                        <a:t> </a:t>
+                      </a:r>
+                      <a:r>
+                        <a:rPr lang="en-US" sz="1100" dirty="0" err="1">
+                          <a:effectLst/>
+                        </a:rPr>
+                        <a:t>về</a:t>
+                      </a:r>
+                      <a:r>
+                        <a:rPr lang="en-US" sz="1100" dirty="0">
+                          <a:effectLst/>
+                        </a:rPr>
+                        <a:t> </a:t>
+                      </a:r>
+                      <a:r>
+                        <a:rPr lang="en-US" sz="1100" dirty="0" err="1">
+                          <a:effectLst/>
+                        </a:rPr>
+                        <a:t>giá</a:t>
+                      </a:r>
+                      <a:r>
+                        <a:rPr lang="en-US" sz="1100" dirty="0">
+                          <a:effectLst/>
+                        </a:rPr>
+                        <a:t> </a:t>
+                      </a:r>
+                      <a:r>
+                        <a:rPr lang="en-US" sz="1100" dirty="0" err="1">
+                          <a:effectLst/>
+                        </a:rPr>
+                        <a:t>trị</a:t>
+                      </a:r>
+                      <a:r>
+                        <a:rPr lang="en-US" sz="1100" dirty="0">
+                          <a:effectLst/>
+                        </a:rPr>
+                        <a:t> </a:t>
+                      </a:r>
+                      <a:r>
+                        <a:rPr lang="en-US" sz="1100" dirty="0" err="1">
+                          <a:effectLst/>
+                        </a:rPr>
+                        <a:t>nhỏ</a:t>
+                      </a:r>
+                      <a:r>
+                        <a:rPr lang="en-US" sz="1100" dirty="0">
+                          <a:effectLst/>
+                        </a:rPr>
+                        <a:t> </a:t>
+                      </a:r>
+                      <a:r>
+                        <a:rPr lang="en-US" sz="1100" dirty="0" err="1">
+                          <a:effectLst/>
+                        </a:rPr>
+                        <a:t>nhất</a:t>
+                      </a:r>
+                      <a:r>
+                        <a:rPr lang="en-US" sz="1100" dirty="0">
+                          <a:effectLst/>
+                        </a:rPr>
+                        <a:t> </a:t>
+                      </a:r>
+                      <a:r>
+                        <a:rPr lang="en-US" sz="1100" dirty="0" err="1">
+                          <a:effectLst/>
+                        </a:rPr>
+                        <a:t>giữa</a:t>
+                      </a:r>
+                      <a:r>
+                        <a:rPr lang="en-US" sz="1100" dirty="0">
+                          <a:effectLst/>
+                        </a:rPr>
+                        <a:t> 2 </a:t>
+                      </a:r>
+                      <a:r>
+                        <a:rPr lang="en-US" sz="1100" dirty="0" err="1">
+                          <a:effectLst/>
+                        </a:rPr>
+                        <a:t>số</a:t>
+                      </a:r>
+                      <a:r>
+                        <a:rPr lang="en-US" sz="1100" dirty="0">
+                          <a:effectLst/>
+                        </a:rPr>
+                        <a:t> a </a:t>
+                      </a:r>
+                      <a:r>
+                        <a:rPr lang="en-US" sz="1100" dirty="0" err="1">
+                          <a:effectLst/>
+                        </a:rPr>
+                        <a:t>và</a:t>
+                      </a:r>
+                      <a:r>
+                        <a:rPr lang="en-US" sz="1100" dirty="0">
+                          <a:effectLst/>
+                        </a:rPr>
+                        <a:t> b.</a:t>
+                      </a:r>
+                    </a:p>
+                  </a:txBody>
+                  <a:tcPr marL="47625" anchor="ctr">
+                    <a:lnL>
+                      <a:noFill/>
+                    </a:lnL>
+                    <a:lnR>
+                      <a:noFill/>
+                    </a:lnR>
+                    <a:lnT>
+                      <a:noFill/>
+                    </a:lnT>
+                    <a:lnB>
+                      <a:noFill/>
+                    </a:lnB>
+                    <a:solidFill>
+                      <a:srgbClr val="FFFFFF"/>
+                    </a:solidFill>
+                  </a:tcPr>
+                </a:tc>
+              </a:tr>
+              <a:tr h="0">
+                <a:tc>
+                  <a:txBody>
+                    <a:bodyPr/>
+                    <a:lstStyle/>
+                    <a:p>
+                      <a:r>
+                        <a:rPr lang="en-US" sz="1100" dirty="0" err="1">
+                          <a:effectLst/>
+                        </a:rPr>
+                        <a:t>sqrt</a:t>
+                      </a:r>
+                      <a:r>
+                        <a:rPr lang="en-US" sz="1100" dirty="0">
+                          <a:effectLst/>
+                        </a:rPr>
+                        <a:t>(a)</a:t>
+                      </a:r>
+                    </a:p>
+                  </a:txBody>
+                  <a:tcPr marL="47625" anchor="ctr">
+                    <a:lnL>
+                      <a:noFill/>
+                    </a:lnL>
+                    <a:lnR>
+                      <a:noFill/>
+                    </a:lnR>
+                    <a:lnT>
+                      <a:noFill/>
+                    </a:lnT>
+                    <a:lnB>
+                      <a:noFill/>
+                    </a:lnB>
+                    <a:solidFill>
+                      <a:srgbClr val="F2F2F2"/>
+                    </a:solidFill>
+                  </a:tcPr>
+                </a:tc>
+                <a:tc>
+                  <a:txBody>
+                    <a:bodyPr/>
+                    <a:lstStyle/>
+                    <a:p>
+                      <a:r>
+                        <a:rPr lang="en-US" sz="1100">
+                          <a:effectLst/>
+                        </a:rPr>
+                        <a:t>Trả về căn bậc 2 của số a.</a:t>
+                      </a:r>
+                    </a:p>
+                  </a:txBody>
+                  <a:tcPr marL="47625" anchor="ctr">
+                    <a:lnL>
+                      <a:noFill/>
+                    </a:lnL>
+                    <a:lnR>
+                      <a:noFill/>
+                    </a:lnR>
+                    <a:lnT>
+                      <a:noFill/>
+                    </a:lnT>
+                    <a:lnB>
+                      <a:noFill/>
+                    </a:lnB>
+                    <a:solidFill>
+                      <a:srgbClr val="F2F2F2"/>
+                    </a:solidFill>
+                  </a:tcPr>
+                </a:tc>
+              </a:tr>
+              <a:tr h="0">
+                <a:tc>
+                  <a:txBody>
+                    <a:bodyPr/>
+                    <a:lstStyle/>
+                    <a:p>
+                      <a:r>
+                        <a:rPr lang="en-US" sz="1100" dirty="0">
+                          <a:effectLst/>
+                        </a:rPr>
+                        <a:t>pow(</a:t>
+                      </a:r>
+                      <a:r>
+                        <a:rPr lang="en-US" sz="1100" dirty="0" err="1">
+                          <a:effectLst/>
+                        </a:rPr>
+                        <a:t>x,y</a:t>
+                      </a:r>
+                      <a:r>
+                        <a:rPr lang="en-US" sz="1100" dirty="0">
+                          <a:effectLst/>
+                        </a:rPr>
+                        <a:t>)</a:t>
+                      </a:r>
+                    </a:p>
+                  </a:txBody>
+                  <a:tcPr marL="47625" anchor="ctr">
+                    <a:lnL>
+                      <a:noFill/>
+                    </a:lnL>
+                    <a:lnR>
+                      <a:noFill/>
+                    </a:lnR>
+                    <a:lnT>
+                      <a:noFill/>
+                    </a:lnT>
+                    <a:lnB>
+                      <a:noFill/>
+                    </a:lnB>
+                    <a:solidFill>
+                      <a:srgbClr val="FFFFFF"/>
+                    </a:solidFill>
+                  </a:tcPr>
+                </a:tc>
+                <a:tc>
+                  <a:txBody>
+                    <a:bodyPr/>
+                    <a:lstStyle/>
+                    <a:p>
+                      <a:r>
+                        <a:rPr lang="en-US" sz="1100" dirty="0" err="1">
+                          <a:effectLst/>
+                        </a:rPr>
+                        <a:t>Tính</a:t>
+                      </a:r>
+                      <a:r>
+                        <a:rPr lang="en-US" sz="1100" dirty="0">
+                          <a:effectLst/>
+                        </a:rPr>
+                        <a:t> </a:t>
+                      </a:r>
+                      <a:r>
+                        <a:rPr lang="en-US" sz="1100" dirty="0" err="1">
+                          <a:effectLst/>
+                        </a:rPr>
+                        <a:t>lũy</a:t>
+                      </a:r>
+                      <a:r>
+                        <a:rPr lang="en-US" sz="1100" dirty="0">
+                          <a:effectLst/>
+                        </a:rPr>
+                        <a:t> </a:t>
+                      </a:r>
+                      <a:r>
+                        <a:rPr lang="en-US" sz="1100" dirty="0" err="1">
+                          <a:effectLst/>
+                        </a:rPr>
+                        <a:t>thừa</a:t>
+                      </a:r>
+                      <a:r>
+                        <a:rPr lang="en-US" sz="1100" dirty="0">
+                          <a:effectLst/>
+                        </a:rPr>
+                        <a:t> </a:t>
+                      </a:r>
+                      <a:r>
+                        <a:rPr lang="en-US" sz="1100" dirty="0" err="1">
+                          <a:effectLst/>
+                        </a:rPr>
+                        <a:t>xy</a:t>
+                      </a:r>
+                      <a:r>
+                        <a:rPr lang="en-US" sz="1100" dirty="0">
+                          <a:effectLst/>
+                        </a:rPr>
+                        <a:t>.</a:t>
+                      </a:r>
+                    </a:p>
+                  </a:txBody>
+                  <a:tcPr marL="47625" anchor="ctr">
+                    <a:lnL>
+                      <a:noFill/>
+                    </a:lnL>
+                    <a:lnR>
+                      <a:noFill/>
+                    </a:lnR>
+                    <a:lnT>
+                      <a:noFill/>
+                    </a:lnT>
+                    <a:lnB>
+                      <a:noFill/>
+                    </a:lnB>
+                    <a:solidFill>
+                      <a:srgbClr val="FFFFFF"/>
+                    </a:solidFill>
+                  </a:tcPr>
+                </a:tc>
+              </a:tr>
+              <a:tr h="0">
+                <a:tc>
+                  <a:txBody>
+                    <a:bodyPr/>
+                    <a:lstStyle/>
+                    <a:p>
+                      <a:r>
+                        <a:rPr lang="en-US" sz="1100">
+                          <a:effectLst/>
+                        </a:rPr>
+                        <a:t>sin(radian)</a:t>
+                      </a:r>
+                    </a:p>
+                  </a:txBody>
+                  <a:tcPr marL="47625" anchor="ctr">
+                    <a:lnL>
+                      <a:noFill/>
+                    </a:lnL>
+                    <a:lnR>
+                      <a:noFill/>
+                    </a:lnR>
+                    <a:lnT>
+                      <a:noFill/>
+                    </a:lnT>
+                    <a:lnB>
+                      <a:noFill/>
+                    </a:lnB>
+                    <a:solidFill>
+                      <a:srgbClr val="F2F2F2"/>
+                    </a:solidFill>
+                  </a:tcPr>
+                </a:tc>
+                <a:tc>
+                  <a:txBody>
+                    <a:bodyPr/>
+                    <a:lstStyle/>
+                    <a:p>
+                      <a:r>
+                        <a:rPr lang="en-US" sz="1100" dirty="0" err="1">
+                          <a:effectLst/>
+                        </a:rPr>
+                        <a:t>Tính</a:t>
+                      </a:r>
+                      <a:r>
+                        <a:rPr lang="en-US" sz="1100" dirty="0">
+                          <a:effectLst/>
+                        </a:rPr>
+                        <a:t> sin, </a:t>
+                      </a:r>
+                      <a:r>
+                        <a:rPr lang="en-US" sz="1100" dirty="0" err="1">
+                          <a:effectLst/>
+                        </a:rPr>
+                        <a:t>với</a:t>
+                      </a:r>
+                      <a:r>
+                        <a:rPr lang="en-US" sz="1100" dirty="0">
+                          <a:effectLst/>
+                        </a:rPr>
+                        <a:t> radian = </a:t>
+                      </a:r>
+                      <a:r>
+                        <a:rPr lang="en-US" sz="1100" dirty="0" err="1">
+                          <a:effectLst/>
+                        </a:rPr>
+                        <a:t>Math.PI</a:t>
+                      </a:r>
+                      <a:r>
+                        <a:rPr lang="en-US" sz="1100" dirty="0">
+                          <a:effectLst/>
+                        </a:rPr>
+                        <a:t> * </a:t>
+                      </a:r>
+                      <a:r>
+                        <a:rPr lang="en-US" sz="1100" dirty="0" err="1">
+                          <a:effectLst/>
+                        </a:rPr>
+                        <a:t>góc</a:t>
+                      </a:r>
+                      <a:r>
+                        <a:rPr lang="en-US" sz="1100" dirty="0">
+                          <a:effectLst/>
+                        </a:rPr>
+                        <a:t> / 180.</a:t>
+                      </a:r>
+                    </a:p>
+                  </a:txBody>
+                  <a:tcPr marL="47625" anchor="ctr">
+                    <a:lnL>
+                      <a:noFill/>
+                    </a:lnL>
+                    <a:lnR>
+                      <a:noFill/>
+                    </a:lnR>
+                    <a:lnT>
+                      <a:noFill/>
+                    </a:lnT>
+                    <a:lnB>
+                      <a:noFill/>
+                    </a:lnB>
+                    <a:solidFill>
+                      <a:srgbClr val="F2F2F2"/>
+                    </a:solidFill>
+                  </a:tcPr>
+                </a:tc>
+              </a:tr>
+              <a:tr h="0">
+                <a:tc>
+                  <a:txBody>
+                    <a:bodyPr/>
+                    <a:lstStyle/>
+                    <a:p>
+                      <a:r>
+                        <a:rPr lang="en-US" sz="1100">
+                          <a:effectLst/>
+                        </a:rPr>
+                        <a:t>cos(radian)</a:t>
+                      </a:r>
+                    </a:p>
+                  </a:txBody>
+                  <a:tcPr marL="47625" anchor="ctr">
+                    <a:lnL>
+                      <a:noFill/>
+                    </a:lnL>
+                    <a:lnR>
+                      <a:noFill/>
+                    </a:lnR>
+                    <a:lnT>
+                      <a:noFill/>
+                    </a:lnT>
+                    <a:lnB>
+                      <a:noFill/>
+                    </a:lnB>
+                    <a:solidFill>
+                      <a:srgbClr val="FFFFFF"/>
+                    </a:solidFill>
+                  </a:tcPr>
+                </a:tc>
+                <a:tc>
+                  <a:txBody>
+                    <a:bodyPr/>
+                    <a:lstStyle/>
+                    <a:p>
+                      <a:r>
+                        <a:rPr lang="en-US" sz="1100" dirty="0" err="1">
+                          <a:effectLst/>
+                        </a:rPr>
+                        <a:t>Tính</a:t>
+                      </a:r>
+                      <a:r>
+                        <a:rPr lang="en-US" sz="1100" dirty="0">
+                          <a:effectLst/>
+                        </a:rPr>
+                        <a:t> cos.</a:t>
+                      </a:r>
+                    </a:p>
+                  </a:txBody>
+                  <a:tcPr marL="47625" anchor="ctr">
+                    <a:lnL>
+                      <a:noFill/>
+                    </a:lnL>
+                    <a:lnR>
+                      <a:noFill/>
+                    </a:lnR>
+                    <a:lnT>
+                      <a:noFill/>
+                    </a:lnT>
+                    <a:lnB>
+                      <a:noFill/>
+                    </a:lnB>
+                    <a:solidFill>
+                      <a:srgbClr val="FFFFFF"/>
+                    </a:solidFill>
+                  </a:tcPr>
+                </a:tc>
+              </a:tr>
+              <a:tr h="0">
+                <a:tc>
+                  <a:txBody>
+                    <a:bodyPr/>
+                    <a:lstStyle/>
+                    <a:p>
+                      <a:r>
+                        <a:rPr lang="en-US" sz="1100" dirty="0">
+                          <a:effectLst/>
+                        </a:rPr>
+                        <a:t>tan(radian)</a:t>
+                      </a:r>
+                    </a:p>
+                  </a:txBody>
+                  <a:tcPr marL="47625" anchor="ctr">
+                    <a:lnL>
+                      <a:noFill/>
+                    </a:lnL>
+                    <a:lnR>
+                      <a:noFill/>
+                    </a:lnR>
+                    <a:lnT>
+                      <a:noFill/>
+                    </a:lnT>
+                    <a:lnB>
+                      <a:noFill/>
+                    </a:lnB>
+                    <a:solidFill>
+                      <a:srgbClr val="F2F2F2"/>
+                    </a:solidFill>
+                  </a:tcPr>
+                </a:tc>
+                <a:tc>
+                  <a:txBody>
+                    <a:bodyPr/>
+                    <a:lstStyle/>
+                    <a:p>
+                      <a:r>
+                        <a:rPr lang="en-US" sz="1100" dirty="0" err="1">
+                          <a:effectLst/>
+                        </a:rPr>
+                        <a:t>Tính</a:t>
+                      </a:r>
+                      <a:r>
+                        <a:rPr lang="en-US" sz="1100" dirty="0">
+                          <a:effectLst/>
+                        </a:rPr>
+                        <a:t> tan.</a:t>
+                      </a:r>
+                    </a:p>
+                  </a:txBody>
+                  <a:tcPr marL="47625" anchor="ctr">
+                    <a:lnL>
+                      <a:noFill/>
+                    </a:lnL>
+                    <a:lnR>
+                      <a:noFill/>
+                    </a:lnR>
+                    <a:lnT>
+                      <a:noFill/>
+                    </a:lnT>
+                    <a:lnB>
+                      <a:noFill/>
+                    </a:lnB>
+                    <a:solidFill>
+                      <a:srgbClr val="F2F2F2"/>
+                    </a:solidFill>
+                  </a:tcPr>
+                </a:tc>
+              </a:tr>
+              <a:tr h="0">
+                <a:tc>
+                  <a:txBody>
+                    <a:bodyPr/>
+                    <a:lstStyle/>
+                    <a:p>
+                      <a:r>
+                        <a:rPr lang="en-US" sz="1100" dirty="0" smtClean="0">
+                          <a:effectLst/>
+                        </a:rPr>
+                        <a:t>round(a)</a:t>
+                      </a:r>
+                      <a:endParaRPr lang="en-US" sz="1100" dirty="0">
+                        <a:effectLst/>
+                      </a:endParaRPr>
+                    </a:p>
+                  </a:txBody>
+                  <a:tcPr marL="47625" anchor="ctr">
+                    <a:lnL>
+                      <a:noFill/>
+                    </a:lnL>
+                    <a:lnR>
+                      <a:noFill/>
+                    </a:lnR>
+                    <a:lnT>
+                      <a:noFill/>
+                    </a:lnT>
+                    <a:lnB>
+                      <a:noFill/>
+                    </a:lnB>
+                    <a:solidFill>
+                      <a:srgbClr val="F2F2F2"/>
+                    </a:solidFill>
+                  </a:tcPr>
+                </a:tc>
+                <a:tc>
+                  <a:txBody>
+                    <a:bodyPr/>
+                    <a:lstStyle/>
+                    <a:p>
+                      <a:r>
+                        <a:rPr lang="en-US" sz="1100" dirty="0" err="1" smtClean="0">
+                          <a:effectLst/>
+                        </a:rPr>
+                        <a:t>Làm</a:t>
+                      </a:r>
+                      <a:r>
+                        <a:rPr lang="en-US" sz="1100" baseline="0" dirty="0" smtClean="0">
+                          <a:effectLst/>
+                        </a:rPr>
+                        <a:t> </a:t>
+                      </a:r>
+                      <a:r>
+                        <a:rPr lang="en-US" sz="1100" baseline="0" dirty="0" err="1" smtClean="0">
+                          <a:effectLst/>
+                        </a:rPr>
+                        <a:t>tròn</a:t>
+                      </a:r>
+                      <a:r>
+                        <a:rPr lang="en-US" sz="1100" baseline="0" dirty="0" smtClean="0">
+                          <a:effectLst/>
+                        </a:rPr>
+                        <a:t> </a:t>
+                      </a:r>
+                      <a:r>
+                        <a:rPr lang="en-US" sz="1100" baseline="0" dirty="0" err="1" smtClean="0">
+                          <a:effectLst/>
+                        </a:rPr>
+                        <a:t>toán</a:t>
+                      </a:r>
+                      <a:r>
+                        <a:rPr lang="en-US" sz="1100" baseline="0" dirty="0" smtClean="0">
+                          <a:effectLst/>
+                        </a:rPr>
+                        <a:t> </a:t>
+                      </a:r>
+                      <a:r>
+                        <a:rPr lang="en-US" sz="1100" baseline="0" dirty="0" err="1" smtClean="0">
+                          <a:effectLst/>
+                        </a:rPr>
+                        <a:t>học</a:t>
+                      </a:r>
+                      <a:r>
+                        <a:rPr lang="en-US" sz="1100" baseline="0" dirty="0" smtClean="0">
+                          <a:effectLst/>
+                        </a:rPr>
+                        <a:t> </a:t>
+                      </a:r>
+                      <a:r>
+                        <a:rPr lang="en-US" sz="1100" baseline="0" dirty="0" err="1" smtClean="0">
+                          <a:effectLst/>
+                        </a:rPr>
+                        <a:t>vd</a:t>
+                      </a:r>
+                      <a:r>
+                        <a:rPr lang="en-US" sz="1100" baseline="0" dirty="0" smtClean="0">
+                          <a:effectLst/>
+                        </a:rPr>
+                        <a:t>: round(2.6) = 3; round(2.2) = 2</a:t>
+                      </a:r>
+                      <a:endParaRPr lang="en-US" sz="1100" dirty="0">
+                        <a:effectLst/>
+                      </a:endParaRPr>
+                    </a:p>
+                  </a:txBody>
+                  <a:tcPr marL="47625" anchor="ctr">
+                    <a:lnL>
+                      <a:noFill/>
+                    </a:lnL>
+                    <a:lnR>
+                      <a:noFill/>
+                    </a:lnR>
+                    <a:lnT>
+                      <a:noFill/>
+                    </a:lnT>
+                    <a:lnB>
+                      <a:noFill/>
+                    </a:lnB>
+                    <a:solidFill>
+                      <a:srgbClr val="F2F2F2"/>
+                    </a:solidFill>
+                  </a:tcPr>
+                </a:tc>
+              </a:tr>
+              <a:tr h="0">
+                <a:tc>
+                  <a:txBody>
+                    <a:bodyPr/>
+                    <a:lstStyle/>
+                    <a:p>
+                      <a:r>
+                        <a:rPr lang="en-US" sz="1100" dirty="0" smtClean="0">
+                          <a:effectLst/>
+                        </a:rPr>
+                        <a:t>ceil(a)</a:t>
+                      </a:r>
+                      <a:endParaRPr lang="en-US" sz="1100" dirty="0">
+                        <a:effectLst/>
+                      </a:endParaRPr>
+                    </a:p>
+                  </a:txBody>
+                  <a:tcPr marL="47625" anchor="ctr">
+                    <a:lnL>
+                      <a:noFill/>
+                    </a:lnL>
+                    <a:lnR>
+                      <a:noFill/>
+                    </a:lnR>
+                    <a:lnT>
+                      <a:noFill/>
+                    </a:lnT>
+                    <a:lnB>
+                      <a:noFill/>
+                    </a:lnB>
+                    <a:solidFill>
+                      <a:srgbClr val="F2F2F2"/>
+                    </a:solidFill>
+                  </a:tcPr>
+                </a:tc>
+                <a:tc>
+                  <a:txBody>
+                    <a:bodyPr/>
+                    <a:lstStyle/>
+                    <a:p>
+                      <a:r>
+                        <a:rPr lang="en-US" sz="1100" dirty="0" err="1" smtClean="0">
+                          <a:effectLst/>
+                        </a:rPr>
+                        <a:t>Làm</a:t>
+                      </a:r>
+                      <a:r>
+                        <a:rPr lang="en-US" sz="1100" baseline="0" dirty="0" smtClean="0">
+                          <a:effectLst/>
+                        </a:rPr>
+                        <a:t> </a:t>
+                      </a:r>
+                      <a:r>
+                        <a:rPr lang="en-US" sz="1100" baseline="0" dirty="0" err="1" smtClean="0">
+                          <a:effectLst/>
+                        </a:rPr>
+                        <a:t>tròn</a:t>
+                      </a:r>
+                      <a:r>
+                        <a:rPr lang="en-US" sz="1100" baseline="0" dirty="0" smtClean="0">
+                          <a:effectLst/>
+                        </a:rPr>
+                        <a:t> </a:t>
+                      </a:r>
+                      <a:r>
+                        <a:rPr lang="en-US" sz="1100" baseline="0" dirty="0" err="1" smtClean="0">
+                          <a:effectLst/>
+                        </a:rPr>
+                        <a:t>xuống</a:t>
+                      </a:r>
+                      <a:r>
+                        <a:rPr lang="en-US" sz="1100" baseline="0" dirty="0" smtClean="0">
+                          <a:effectLst/>
+                        </a:rPr>
+                        <a:t>.</a:t>
+                      </a:r>
+                      <a:endParaRPr lang="en-US" sz="1100" dirty="0">
+                        <a:effectLst/>
+                      </a:endParaRPr>
+                    </a:p>
+                  </a:txBody>
+                  <a:tcPr marL="47625" anchor="ctr">
+                    <a:lnL>
+                      <a:noFill/>
+                    </a:lnL>
+                    <a:lnR>
+                      <a:noFill/>
+                    </a:lnR>
+                    <a:lnT>
+                      <a:noFill/>
+                    </a:lnT>
+                    <a:lnB>
+                      <a:noFill/>
+                    </a:lnB>
+                    <a:solidFill>
+                      <a:srgbClr val="F2F2F2"/>
+                    </a:solidFill>
+                  </a:tcPr>
+                </a:tc>
+              </a:tr>
+              <a:tr h="0">
+                <a:tc>
+                  <a:txBody>
+                    <a:bodyPr/>
+                    <a:lstStyle/>
+                    <a:p>
+                      <a:r>
+                        <a:rPr lang="en-US" sz="1100" dirty="0" smtClean="0">
+                          <a:effectLst/>
+                        </a:rPr>
+                        <a:t>floor(a)</a:t>
+                      </a:r>
+                      <a:endParaRPr lang="en-US" sz="1100" dirty="0">
+                        <a:effectLst/>
+                      </a:endParaRPr>
+                    </a:p>
+                  </a:txBody>
+                  <a:tcPr marL="47625" anchor="ctr">
+                    <a:lnL>
+                      <a:noFill/>
+                    </a:lnL>
+                    <a:lnR>
+                      <a:noFill/>
+                    </a:lnR>
+                    <a:lnT>
+                      <a:noFill/>
+                    </a:lnT>
+                    <a:lnB>
+                      <a:noFill/>
+                    </a:lnB>
+                    <a:solidFill>
+                      <a:srgbClr val="F2F2F2"/>
+                    </a:solidFill>
+                  </a:tcPr>
+                </a:tc>
+                <a:tc>
+                  <a:txBody>
+                    <a:bodyPr/>
+                    <a:lstStyle/>
+                    <a:p>
+                      <a:r>
+                        <a:rPr lang="en-US" sz="1100" dirty="0" err="1" smtClean="0">
+                          <a:effectLst/>
+                        </a:rPr>
+                        <a:t>Làm</a:t>
+                      </a:r>
+                      <a:r>
+                        <a:rPr lang="en-US" sz="1100" baseline="0" dirty="0" smtClean="0">
+                          <a:effectLst/>
+                        </a:rPr>
+                        <a:t> </a:t>
+                      </a:r>
+                      <a:r>
+                        <a:rPr lang="en-US" sz="1100" baseline="0" dirty="0" err="1" smtClean="0">
+                          <a:effectLst/>
+                        </a:rPr>
+                        <a:t>tròn</a:t>
+                      </a:r>
+                      <a:r>
+                        <a:rPr lang="en-US" sz="1100" baseline="0" dirty="0" smtClean="0">
+                          <a:effectLst/>
+                        </a:rPr>
+                        <a:t> </a:t>
+                      </a:r>
+                      <a:r>
+                        <a:rPr lang="en-US" sz="1100" baseline="0" dirty="0" err="1" smtClean="0">
+                          <a:effectLst/>
+                        </a:rPr>
+                        <a:t>lên</a:t>
+                      </a:r>
+                      <a:r>
+                        <a:rPr lang="en-US" sz="1100" baseline="0" dirty="0" smtClean="0">
+                          <a:effectLst/>
+                        </a:rPr>
+                        <a:t>.</a:t>
+                      </a:r>
+                      <a:endParaRPr lang="en-US" sz="1100" dirty="0">
+                        <a:effectLst/>
+                      </a:endParaRPr>
+                    </a:p>
+                  </a:txBody>
+                  <a:tcPr marL="47625" anchor="ctr">
+                    <a:lnL>
+                      <a:noFill/>
+                    </a:lnL>
+                    <a:lnR>
+                      <a:noFill/>
+                    </a:lnR>
+                    <a:lnT>
+                      <a:noFill/>
+                    </a:lnT>
+                    <a:lnB>
+                      <a:noFill/>
+                    </a:lnB>
+                    <a:solidFill>
+                      <a:srgbClr val="F2F2F2"/>
+                    </a:solidFill>
+                  </a:tcPr>
+                </a:tc>
+              </a:tr>
+              <a:tr h="0">
+                <a:tc>
+                  <a:txBody>
+                    <a:bodyPr/>
+                    <a:lstStyle/>
+                    <a:p>
+                      <a:r>
+                        <a:rPr lang="en-US" sz="1100" dirty="0" smtClean="0">
+                          <a:effectLst/>
+                        </a:rPr>
+                        <a:t>random()</a:t>
+                      </a:r>
+                      <a:endParaRPr lang="en-US" sz="1100" dirty="0">
+                        <a:effectLst/>
+                      </a:endParaRPr>
+                    </a:p>
+                  </a:txBody>
+                  <a:tcPr marL="47625" anchor="ctr">
+                    <a:lnL>
+                      <a:noFill/>
+                    </a:lnL>
+                    <a:lnR>
+                      <a:noFill/>
+                    </a:lnR>
+                    <a:lnT>
+                      <a:noFill/>
+                    </a:lnT>
+                    <a:lnB>
+                      <a:noFill/>
+                    </a:lnB>
+                    <a:solidFill>
+                      <a:srgbClr val="F2F2F2"/>
+                    </a:solidFill>
+                  </a:tcPr>
+                </a:tc>
+                <a:tc>
+                  <a:txBody>
+                    <a:bodyPr/>
+                    <a:lstStyle/>
+                    <a:p>
+                      <a:r>
+                        <a:rPr lang="en-US" sz="1100" dirty="0" err="1" smtClean="0">
+                          <a:effectLst/>
+                        </a:rPr>
+                        <a:t>Số</a:t>
+                      </a:r>
+                      <a:r>
+                        <a:rPr lang="en-US" sz="1100" baseline="0" dirty="0" smtClean="0">
+                          <a:effectLst/>
+                        </a:rPr>
+                        <a:t> </a:t>
+                      </a:r>
+                      <a:r>
+                        <a:rPr lang="en-US" sz="1100" baseline="0" dirty="0" err="1" smtClean="0">
+                          <a:effectLst/>
+                        </a:rPr>
+                        <a:t>thực</a:t>
+                      </a:r>
+                      <a:r>
+                        <a:rPr lang="en-US" sz="1100" baseline="0" dirty="0" smtClean="0">
+                          <a:effectLst/>
+                        </a:rPr>
+                        <a:t> </a:t>
+                      </a:r>
+                      <a:r>
+                        <a:rPr lang="en-US" sz="1100" baseline="0" dirty="0" err="1" smtClean="0">
+                          <a:effectLst/>
+                        </a:rPr>
+                        <a:t>ngẫu</a:t>
+                      </a:r>
+                      <a:r>
+                        <a:rPr lang="en-US" sz="1100" baseline="0" dirty="0" smtClean="0">
+                          <a:effectLst/>
+                        </a:rPr>
+                        <a:t> </a:t>
+                      </a:r>
+                      <a:r>
+                        <a:rPr lang="en-US" sz="1100" baseline="0" dirty="0" err="1" smtClean="0">
+                          <a:effectLst/>
+                        </a:rPr>
+                        <a:t>nhiên</a:t>
+                      </a:r>
+                      <a:r>
+                        <a:rPr lang="en-US" sz="1100" baseline="0" dirty="0" smtClean="0">
+                          <a:effectLst/>
+                        </a:rPr>
+                        <a:t> 0.0 -&gt; 1.0</a:t>
+                      </a:r>
+                      <a:endParaRPr lang="en-US" sz="1100" dirty="0">
+                        <a:effectLst/>
+                      </a:endParaRPr>
+                    </a:p>
+                  </a:txBody>
+                  <a:tcPr marL="47625" anchor="ctr">
+                    <a:lnL>
+                      <a:noFill/>
+                    </a:lnL>
+                    <a:lnR>
+                      <a:noFill/>
+                    </a:lnR>
+                    <a:lnT>
+                      <a:noFill/>
+                    </a:lnT>
+                    <a:lnB>
+                      <a:noFill/>
+                    </a:lnB>
+                    <a:solidFill>
+                      <a:srgbClr val="F2F2F2"/>
+                    </a:solidFill>
+                  </a:tcPr>
+                </a:tc>
+              </a:tr>
+            </a:tbl>
+          </a:graphicData>
+        </a:graphic>
+      </p:graphicFrame>
+    </p:spTree>
+    <p:extLst>
+      <p:ext uri="{BB962C8B-B14F-4D97-AF65-F5344CB8AC3E}">
+        <p14:creationId xmlns:p14="http://schemas.microsoft.com/office/powerpoint/2010/main" val="1235750459"/>
+      </p:ext>
+    </p:extLst>
+  </p:cSld>
+  <p:clrMapOvr>
+    <a:masterClrMapping/>
+  </p:clrMapOvr>
+</p:sld>
+</file>
+
+<file path=ppt/slides/slide18.xml><?xml version="1.0" encoding="utf-8"?>
+<p:sld xmlns:a="http://schemas.openxmlformats.org/drawingml/2006/main" xmlns:r="http://schemas.openxmlformats.org/officeDocument/2006/relationships" xmlns:p="http://schemas.openxmlformats.org/presentationml/2006/main">
+  <p:cSld>
+    <p:spTree>
+      <p:nvGrpSpPr>
         <p:cNvPr id="1" name="Shape 233"/>
         <p:cNvGrpSpPr/>
         <p:nvPr/>
@@ -11969,34 +14042,6 @@
           </a:p>
         </p:txBody>
       </p:sp>
-      <p:pic>
-        <p:nvPicPr>
-          <p:cNvPr id="236" name="Google Shape;236;p28"/>
-          <p:cNvPicPr preferRelativeResize="0"/>
-          <p:nvPr/>
-        </p:nvPicPr>
-        <p:blipFill>
-          <a:blip r:embed="rId3">
-            <a:alphaModFix/>
-          </a:blip>
-          <a:stretch>
-            <a:fillRect/>
-          </a:stretch>
-        </p:blipFill>
-        <p:spPr>
-          <a:xfrm>
-            <a:off x="104425" y="88888"/>
-            <a:ext cx="1057925" cy="448825"/>
-          </a:xfrm>
-          <a:prstGeom prst="rect">
-            <a:avLst/>
-          </a:prstGeom>
-          <a:noFill/>
-          <a:ln>
-            <a:noFill/>
-          </a:ln>
-        </p:spPr>
-      </p:pic>
     </p:spTree>
   </p:cSld>
   <p:clrMapOvr>

--- a/documents/Lesson 3 - Loop,Condition.pptx
+++ b/documents/Lesson 3 - Loop,Condition.pptx
@@ -9187,14 +9187,14 @@
               <a:buNone/>
             </a:pPr>
             <a:r>
-              <a:rPr lang="en">
+              <a:rPr lang="en" dirty="0">
                 <a:solidFill>
                   <a:srgbClr val="2876C9"/>
                 </a:solidFill>
               </a:rPr>
               <a:t>1. for</a:t>
             </a:r>
-            <a:endParaRPr>
+            <a:endParaRPr dirty="0">
               <a:solidFill>
                 <a:srgbClr val="2876C9"/>
               </a:solidFill>
@@ -9287,14 +9287,14 @@
               <a:buNone/>
             </a:pPr>
             <a:r>
-              <a:rPr lang="en">
+              <a:rPr lang="en" dirty="0">
                 <a:solidFill>
                   <a:srgbClr val="2876C9"/>
                 </a:solidFill>
               </a:rPr>
               <a:t>3. while</a:t>
             </a:r>
-            <a:endParaRPr>
+            <a:endParaRPr dirty="0">
               <a:solidFill>
                 <a:srgbClr val="2876C9"/>
               </a:solidFill>
@@ -10900,7 +10900,7 @@
               <a:buNone/>
             </a:pPr>
             <a:r>
-              <a:rPr lang="en" sz="850" b="1">
+              <a:rPr lang="en" sz="850" b="1" dirty="0">
                 <a:solidFill>
                   <a:srgbClr val="000080"/>
                 </a:solidFill>
@@ -10911,7 +10911,7 @@
               <a:t>public static void </a:t>
             </a:r>
             <a:r>
-              <a:rPr lang="en" sz="850">
+              <a:rPr lang="en" sz="850" dirty="0">
                 <a:solidFill>
                   <a:schemeClr val="dk1"/>
                 </a:solidFill>
@@ -10921,7 +10921,7 @@
               </a:rPr>
               <a:t>main(String[] args) {</a:t>
             </a:r>
-            <a:endParaRPr sz="850">
+            <a:endParaRPr sz="850" dirty="0">
               <a:solidFill>
                 <a:schemeClr val="dk1"/>
               </a:solidFill>
@@ -10941,7 +10941,7 @@
               <a:buNone/>
             </a:pPr>
             <a:r>
-              <a:rPr lang="en" sz="850">
+              <a:rPr lang="en" sz="850" dirty="0">
                 <a:solidFill>
                   <a:schemeClr val="dk1"/>
                 </a:solidFill>
@@ -10952,7 +10952,7 @@
               <a:t>   </a:t>
             </a:r>
             <a:r>
-              <a:rPr lang="en" sz="850" b="1">
+              <a:rPr lang="en" sz="850" b="1" dirty="0">
                 <a:solidFill>
                   <a:srgbClr val="000080"/>
                 </a:solidFill>
@@ -10963,7 +10963,7 @@
               <a:t>int </a:t>
             </a:r>
             <a:r>
-              <a:rPr lang="en" sz="850">
+              <a:rPr lang="en" sz="850" dirty="0">
                 <a:solidFill>
                   <a:schemeClr val="dk1"/>
                 </a:solidFill>
@@ -10973,7 +10973,7 @@
               </a:rPr>
               <a:t>count;</a:t>
             </a:r>
-            <a:endParaRPr sz="850">
+            <a:endParaRPr sz="850" dirty="0">
               <a:solidFill>
                 <a:schemeClr val="dk1"/>
               </a:solidFill>
@@ -10993,7 +10993,7 @@
               <a:buNone/>
             </a:pPr>
             <a:r>
-              <a:rPr lang="en" sz="850">
+              <a:rPr lang="en" sz="850" dirty="0">
                 <a:solidFill>
                   <a:schemeClr val="dk1"/>
                 </a:solidFill>
@@ -11004,7 +11004,7 @@
               <a:t>   </a:t>
             </a:r>
             <a:r>
-              <a:rPr lang="en" sz="850" b="1">
+              <a:rPr lang="en" sz="850" b="1" dirty="0">
                 <a:solidFill>
                   <a:srgbClr val="000080"/>
                 </a:solidFill>
@@ -11015,7 +11015,7 @@
               <a:t>for </a:t>
             </a:r>
             <a:r>
-              <a:rPr lang="en" sz="850">
+              <a:rPr lang="en" sz="850" dirty="0">
                 <a:solidFill>
                   <a:schemeClr val="dk1"/>
                 </a:solidFill>
@@ -11026,7 +11026,7 @@
               <a:t>(count = </a:t>
             </a:r>
             <a:r>
-              <a:rPr lang="en" sz="850">
+              <a:rPr lang="en" sz="850" dirty="0">
                 <a:solidFill>
                   <a:srgbClr val="0000FF"/>
                 </a:solidFill>
@@ -11037,7 +11037,7 @@
               <a:t>1</a:t>
             </a:r>
             <a:r>
-              <a:rPr lang="en" sz="850">
+              <a:rPr lang="en" sz="850" dirty="0">
                 <a:solidFill>
                   <a:schemeClr val="dk1"/>
                 </a:solidFill>
@@ -11048,7 +11048,7 @@
               <a:t>; count &lt;= </a:t>
             </a:r>
             <a:r>
-              <a:rPr lang="en" sz="850">
+              <a:rPr lang="en" sz="850" dirty="0">
                 <a:solidFill>
                   <a:srgbClr val="0000FF"/>
                 </a:solidFill>
@@ -11059,7 +11059,7 @@
               <a:t>5</a:t>
             </a:r>
             <a:r>
-              <a:rPr lang="en" sz="850">
+              <a:rPr lang="en" sz="850" dirty="0">
                 <a:solidFill>
                   <a:schemeClr val="dk1"/>
                 </a:solidFill>
@@ -11069,7 +11069,7 @@
               </a:rPr>
               <a:t>; count++) {</a:t>
             </a:r>
-            <a:endParaRPr sz="850">
+            <a:endParaRPr sz="850" dirty="0">
               <a:solidFill>
                 <a:schemeClr val="dk1"/>
               </a:solidFill>
@@ -11089,7 +11089,7 @@
               <a:buNone/>
             </a:pPr>
             <a:r>
-              <a:rPr lang="en" sz="850">
+              <a:rPr lang="en" sz="850" dirty="0">
                 <a:solidFill>
                   <a:schemeClr val="dk1"/>
                 </a:solidFill>
@@ -11100,7 +11100,7 @@
               <a:t>       System.</a:t>
             </a:r>
             <a:r>
-              <a:rPr lang="en" sz="850" b="1" i="1">
+              <a:rPr lang="en" sz="850" b="1" i="1" dirty="0">
                 <a:solidFill>
                   <a:srgbClr val="660E7A"/>
                 </a:solidFill>
@@ -11111,7 +11111,7 @@
               <a:t>out</a:t>
             </a:r>
             <a:r>
-              <a:rPr lang="en" sz="850">
+              <a:rPr lang="en" sz="850" dirty="0">
                 <a:solidFill>
                   <a:schemeClr val="dk1"/>
                 </a:solidFill>
@@ -11122,7 +11122,7 @@
               <a:t>.println(</a:t>
             </a:r>
             <a:r>
-              <a:rPr lang="en" sz="850" b="1">
+              <a:rPr lang="en" sz="850" b="1" dirty="0">
                 <a:solidFill>
                   <a:srgbClr val="008000"/>
                 </a:solidFill>
@@ -11133,7 +11133,7 @@
               <a:t>"Lần lặp " </a:t>
             </a:r>
             <a:r>
-              <a:rPr lang="en" sz="850">
+              <a:rPr lang="en" sz="850" dirty="0">
                 <a:solidFill>
                   <a:schemeClr val="dk1"/>
                 </a:solidFill>
@@ -11143,7 +11143,7 @@
               </a:rPr>
               <a:t>+ count);</a:t>
             </a:r>
-            <a:endParaRPr sz="850">
+            <a:endParaRPr sz="850" dirty="0">
               <a:solidFill>
                 <a:schemeClr val="dk1"/>
               </a:solidFill>
@@ -11162,7 +11162,7 @@
               </a:spcAft>
               <a:buNone/>
             </a:pPr>
-            <a:endParaRPr sz="850">
+            <a:endParaRPr sz="850" dirty="0">
               <a:solidFill>
                 <a:schemeClr val="dk1"/>
               </a:solidFill>
@@ -11182,7 +11182,7 @@
               <a:buNone/>
             </a:pPr>
             <a:r>
-              <a:rPr lang="en" sz="850">
+              <a:rPr lang="en" sz="850" dirty="0">
                 <a:solidFill>
                   <a:schemeClr val="dk1"/>
                 </a:solidFill>
@@ -11193,7 +11193,7 @@
               <a:t>       </a:t>
             </a:r>
             <a:r>
-              <a:rPr lang="en" sz="850" i="1">
+              <a:rPr lang="en" sz="850" i="1" dirty="0">
                 <a:solidFill>
                   <a:srgbClr val="808080"/>
                 </a:solidFill>
@@ -11203,7 +11203,7 @@
               </a:rPr>
               <a:t>/*</a:t>
             </a:r>
-            <a:endParaRPr sz="850" i="1">
+            <a:endParaRPr sz="850" i="1" dirty="0">
               <a:solidFill>
                 <a:srgbClr val="808080"/>
               </a:solidFill>
@@ -11223,7 +11223,7 @@
               <a:buNone/>
             </a:pPr>
             <a:r>
-              <a:rPr lang="en" sz="850" i="1">
+              <a:rPr lang="en" sz="850" i="1" dirty="0">
                 <a:solidFill>
                   <a:srgbClr val="808080"/>
                 </a:solidFill>
@@ -11233,7 +11233,7 @@
               </a:rPr>
               <a:t>        * kiểm tra nếu count còn nhỏ hơn 4</a:t>
             </a:r>
-            <a:endParaRPr sz="850" i="1">
+            <a:endParaRPr sz="850" i="1" dirty="0">
               <a:solidFill>
                 <a:srgbClr val="808080"/>
               </a:solidFill>
@@ -11253,7 +11253,7 @@
               <a:buNone/>
             </a:pPr>
             <a:r>
-              <a:rPr lang="en" sz="850" i="1">
+              <a:rPr lang="en" sz="850" i="1" dirty="0">
                 <a:solidFill>
                   <a:srgbClr val="808080"/>
                 </a:solidFill>
@@ -11263,7 +11263,7 @@
               </a:rPr>
               <a:t>        * thì còn quay lại vòng for kiểm tra điều kiện lặp</a:t>
             </a:r>
-            <a:endParaRPr sz="850" i="1">
+            <a:endParaRPr sz="850" i="1" dirty="0">
               <a:solidFill>
                 <a:srgbClr val="808080"/>
               </a:solidFill>
@@ -11283,7 +11283,7 @@
               <a:buNone/>
             </a:pPr>
             <a:r>
-              <a:rPr lang="en" sz="850" i="1">
+              <a:rPr lang="en" sz="850" i="1" dirty="0">
                 <a:solidFill>
                   <a:srgbClr val="808080"/>
                 </a:solidFill>
@@ -11293,7 +11293,7 @@
               </a:rPr>
               <a:t>        */</a:t>
             </a:r>
-            <a:endParaRPr sz="850" i="1">
+            <a:endParaRPr sz="850" i="1" dirty="0">
               <a:solidFill>
                 <a:srgbClr val="808080"/>
               </a:solidFill>
@@ -11313,7 +11313,7 @@
               <a:buNone/>
             </a:pPr>
             <a:r>
-              <a:rPr lang="en" sz="850" i="1">
+              <a:rPr lang="en" sz="850" i="1" dirty="0">
                 <a:solidFill>
                   <a:srgbClr val="808080"/>
                 </a:solidFill>
@@ -11324,7 +11324,7 @@
               <a:t>       </a:t>
             </a:r>
             <a:r>
-              <a:rPr lang="en" sz="850" b="1">
+              <a:rPr lang="en" sz="850" b="1" dirty="0">
                 <a:solidFill>
                   <a:srgbClr val="000080"/>
                 </a:solidFill>
@@ -11335,7 +11335,7 @@
               <a:t>if </a:t>
             </a:r>
             <a:r>
-              <a:rPr lang="en" sz="850">
+              <a:rPr lang="en" sz="850" dirty="0">
                 <a:solidFill>
                   <a:schemeClr val="dk1"/>
                 </a:solidFill>
@@ -11346,7 +11346,7 @@
               <a:t>(count &lt; </a:t>
             </a:r>
             <a:r>
-              <a:rPr lang="en" sz="850">
+              <a:rPr lang="en" sz="850" dirty="0">
                 <a:solidFill>
                   <a:srgbClr val="0000FF"/>
                 </a:solidFill>
@@ -11357,7 +11357,7 @@
               <a:t>4</a:t>
             </a:r>
             <a:r>
-              <a:rPr lang="en" sz="850">
+              <a:rPr lang="en" sz="850" dirty="0">
                 <a:solidFill>
                   <a:schemeClr val="dk1"/>
                 </a:solidFill>
@@ -11367,7 +11367,7 @@
               </a:rPr>
               <a:t>) {</a:t>
             </a:r>
-            <a:endParaRPr sz="850">
+            <a:endParaRPr sz="850" dirty="0">
               <a:solidFill>
                 <a:schemeClr val="dk1"/>
               </a:solidFill>
@@ -11387,7 +11387,7 @@
               <a:buNone/>
             </a:pPr>
             <a:r>
-              <a:rPr lang="en" sz="850">
+              <a:rPr lang="en" sz="850" dirty="0">
                 <a:solidFill>
                   <a:schemeClr val="dk1"/>
                 </a:solidFill>
@@ -11398,7 +11398,7 @@
               <a:t>           </a:t>
             </a:r>
             <a:r>
-              <a:rPr lang="en" sz="850" b="1">
+              <a:rPr lang="en" sz="850" b="1" dirty="0">
                 <a:solidFill>
                   <a:srgbClr val="000080"/>
                 </a:solidFill>
@@ -11409,7 +11409,7 @@
               <a:t>continue</a:t>
             </a:r>
             <a:r>
-              <a:rPr lang="en" sz="850">
+              <a:rPr lang="en" sz="850" dirty="0">
                 <a:solidFill>
                   <a:schemeClr val="dk1"/>
                 </a:solidFill>
@@ -11419,7 +11419,7 @@
               </a:rPr>
               <a:t>;</a:t>
             </a:r>
-            <a:endParaRPr sz="850">
+            <a:endParaRPr sz="850" dirty="0">
               <a:solidFill>
                 <a:schemeClr val="dk1"/>
               </a:solidFill>
@@ -11439,7 +11439,7 @@
               <a:buNone/>
             </a:pPr>
             <a:r>
-              <a:rPr lang="en" sz="850">
+              <a:rPr lang="en" sz="850" dirty="0">
                 <a:solidFill>
                   <a:schemeClr val="dk1"/>
                 </a:solidFill>
@@ -11449,7 +11449,7 @@
               </a:rPr>
               <a:t>       }</a:t>
             </a:r>
-            <a:endParaRPr sz="850">
+            <a:endParaRPr sz="850" dirty="0">
               <a:solidFill>
                 <a:schemeClr val="dk1"/>
               </a:solidFill>
@@ -11468,7 +11468,7 @@
               </a:spcAft>
               <a:buNone/>
             </a:pPr>
-            <a:endParaRPr sz="850">
+            <a:endParaRPr sz="850" dirty="0">
               <a:solidFill>
                 <a:schemeClr val="dk1"/>
               </a:solidFill>
@@ -11488,7 +11488,7 @@
               <a:buNone/>
             </a:pPr>
             <a:r>
-              <a:rPr lang="en" sz="850">
+              <a:rPr lang="en" sz="850" dirty="0">
                 <a:solidFill>
                   <a:schemeClr val="dk1"/>
                 </a:solidFill>
@@ -11499,7 +11499,7 @@
               <a:t>       </a:t>
             </a:r>
             <a:r>
-              <a:rPr lang="en" sz="850" i="1">
+              <a:rPr lang="en" sz="850" i="1" dirty="0">
                 <a:solidFill>
                   <a:srgbClr val="808080"/>
                 </a:solidFill>
@@ -11509,7 +11509,7 @@
               </a:rPr>
               <a:t>// Nếu count không nhỏ hơn 4 thì hiển thị "Chào bạn!"</a:t>
             </a:r>
-            <a:endParaRPr sz="850" i="1">
+            <a:endParaRPr sz="850" i="1" dirty="0">
               <a:solidFill>
                 <a:srgbClr val="808080"/>
               </a:solidFill>
@@ -11529,7 +11529,7 @@
               <a:buNone/>
             </a:pPr>
             <a:r>
-              <a:rPr lang="en" sz="850" i="1">
+              <a:rPr lang="en" sz="850" i="1" dirty="0">
                 <a:solidFill>
                   <a:srgbClr val="808080"/>
                 </a:solidFill>
@@ -11540,7 +11540,7 @@
               <a:t>       </a:t>
             </a:r>
             <a:r>
-              <a:rPr lang="en" sz="850">
+              <a:rPr lang="en" sz="850" dirty="0">
                 <a:solidFill>
                   <a:schemeClr val="dk1"/>
                 </a:solidFill>
@@ -11551,7 +11551,7 @@
               <a:t>System.</a:t>
             </a:r>
             <a:r>
-              <a:rPr lang="en" sz="850" b="1" i="1">
+              <a:rPr lang="en" sz="850" b="1" i="1" dirty="0">
                 <a:solidFill>
                   <a:srgbClr val="660E7A"/>
                 </a:solidFill>
@@ -11562,7 +11562,7 @@
               <a:t>out</a:t>
             </a:r>
             <a:r>
-              <a:rPr lang="en" sz="850">
+              <a:rPr lang="en" sz="850" dirty="0">
                 <a:solidFill>
                   <a:schemeClr val="dk1"/>
                 </a:solidFill>
@@ -11573,7 +11573,7 @@
               <a:t>.println(</a:t>
             </a:r>
             <a:r>
-              <a:rPr lang="en" sz="850" b="1">
+              <a:rPr lang="en" sz="850" b="1" dirty="0">
                 <a:solidFill>
                   <a:srgbClr val="008000"/>
                 </a:solidFill>
@@ -11584,7 +11584,7 @@
               <a:t>"Chào bạn!"</a:t>
             </a:r>
             <a:r>
-              <a:rPr lang="en" sz="850">
+              <a:rPr lang="en" sz="850" dirty="0">
                 <a:solidFill>
                   <a:schemeClr val="dk1"/>
                 </a:solidFill>
@@ -11594,7 +11594,7 @@
               </a:rPr>
               <a:t>);</a:t>
             </a:r>
-            <a:endParaRPr sz="850">
+            <a:endParaRPr sz="850" dirty="0">
               <a:solidFill>
                 <a:schemeClr val="dk1"/>
               </a:solidFill>
@@ -11614,7 +11614,7 @@
               <a:buNone/>
             </a:pPr>
             <a:r>
-              <a:rPr lang="en" sz="850">
+              <a:rPr lang="en" sz="850" dirty="0">
                 <a:solidFill>
                   <a:schemeClr val="dk1"/>
                 </a:solidFill>
@@ -11624,7 +11624,7 @@
               </a:rPr>
               <a:t>   }</a:t>
             </a:r>
-            <a:endParaRPr sz="850">
+            <a:endParaRPr sz="850" dirty="0">
               <a:solidFill>
                 <a:schemeClr val="dk1"/>
               </a:solidFill>
@@ -11644,7 +11644,7 @@
               <a:buNone/>
             </a:pPr>
             <a:r>
-              <a:rPr lang="en" sz="850">
+              <a:rPr lang="en" sz="850" dirty="0">
                 <a:solidFill>
                   <a:schemeClr val="dk1"/>
                 </a:solidFill>
@@ -11654,7 +11654,7 @@
               </a:rPr>
               <a:t>}</a:t>
             </a:r>
-            <a:endParaRPr sz="850">
+            <a:endParaRPr sz="850" dirty="0">
               <a:solidFill>
                 <a:schemeClr val="dk1"/>
               </a:solidFill>
@@ -12510,7 +12510,7 @@
           <p:nvPr>
             <p:extLst>
               <p:ext uri="{D42A27DB-BD31-4B8C-83A1-F6EECF244321}">
-                <p14:modId xmlns:p14="http://schemas.microsoft.com/office/powerpoint/2010/main" val="2524521005"/>
+                <p14:modId xmlns:p14="http://schemas.microsoft.com/office/powerpoint/2010/main" val="3264933935"/>
               </p:ext>
             </p:extLst>
           </p:nvPr>
@@ -13614,7 +13614,7 @@
                         <a:rPr lang="en-US" sz="1100" baseline="0" dirty="0" err="1" smtClean="0">
                           <a:effectLst/>
                         </a:rPr>
-                        <a:t>xuống</a:t>
+                        <a:t>lên</a:t>
                       </a:r>
                       <a:r>
                         <a:rPr lang="en-US" sz="1100" baseline="0" dirty="0" smtClean="0">
@@ -13714,7 +13714,7 @@
                         <a:rPr lang="en-US" sz="1100" baseline="0" dirty="0" err="1" smtClean="0">
                           <a:effectLst/>
                         </a:rPr>
-                        <a:t>lên</a:t>
+                        <a:t>xuống</a:t>
                       </a:r>
                       <a:r>
                         <a:rPr lang="en-US" sz="1100" baseline="0" dirty="0" smtClean="0">
